--- a/6_figures/Figure1_path_diagram.pptx
+++ b/6_figures/Figure1_path_diagram.pptx
@@ -262,7 +262,7 @@
           <a:p>
             <a:fld id="{1C44D5C8-EE81-4E13-B61A-D9219F34C127}" type="datetimeFigureOut">
               <a:rPr lang="en-GB" smtClean="0"/>
-              <a:t>23/12/2022</a:t>
+              <a:t>08/03/2023</a:t>
             </a:fld>
             <a:endParaRPr lang="en-GB"/>
           </a:p>
@@ -462,7 +462,7 @@
           <a:p>
             <a:fld id="{1C44D5C8-EE81-4E13-B61A-D9219F34C127}" type="datetimeFigureOut">
               <a:rPr lang="en-GB" smtClean="0"/>
-              <a:t>23/12/2022</a:t>
+              <a:t>08/03/2023</a:t>
             </a:fld>
             <a:endParaRPr lang="en-GB"/>
           </a:p>
@@ -672,7 +672,7 @@
           <a:p>
             <a:fld id="{1C44D5C8-EE81-4E13-B61A-D9219F34C127}" type="datetimeFigureOut">
               <a:rPr lang="en-GB" smtClean="0"/>
-              <a:t>23/12/2022</a:t>
+              <a:t>08/03/2023</a:t>
             </a:fld>
             <a:endParaRPr lang="en-GB"/>
           </a:p>
@@ -872,7 +872,7 @@
           <a:p>
             <a:fld id="{1C44D5C8-EE81-4E13-B61A-D9219F34C127}" type="datetimeFigureOut">
               <a:rPr lang="en-GB" smtClean="0"/>
-              <a:t>23/12/2022</a:t>
+              <a:t>08/03/2023</a:t>
             </a:fld>
             <a:endParaRPr lang="en-GB"/>
           </a:p>
@@ -1148,7 +1148,7 @@
           <a:p>
             <a:fld id="{1C44D5C8-EE81-4E13-B61A-D9219F34C127}" type="datetimeFigureOut">
               <a:rPr lang="en-GB" smtClean="0"/>
-              <a:t>23/12/2022</a:t>
+              <a:t>08/03/2023</a:t>
             </a:fld>
             <a:endParaRPr lang="en-GB"/>
           </a:p>
@@ -1416,7 +1416,7 @@
           <a:p>
             <a:fld id="{1C44D5C8-EE81-4E13-B61A-D9219F34C127}" type="datetimeFigureOut">
               <a:rPr lang="en-GB" smtClean="0"/>
-              <a:t>23/12/2022</a:t>
+              <a:t>08/03/2023</a:t>
             </a:fld>
             <a:endParaRPr lang="en-GB"/>
           </a:p>
@@ -1831,7 +1831,7 @@
           <a:p>
             <a:fld id="{1C44D5C8-EE81-4E13-B61A-D9219F34C127}" type="datetimeFigureOut">
               <a:rPr lang="en-GB" smtClean="0"/>
-              <a:t>23/12/2022</a:t>
+              <a:t>08/03/2023</a:t>
             </a:fld>
             <a:endParaRPr lang="en-GB"/>
           </a:p>
@@ -1973,7 +1973,7 @@
           <a:p>
             <a:fld id="{1C44D5C8-EE81-4E13-B61A-D9219F34C127}" type="datetimeFigureOut">
               <a:rPr lang="en-GB" smtClean="0"/>
-              <a:t>23/12/2022</a:t>
+              <a:t>08/03/2023</a:t>
             </a:fld>
             <a:endParaRPr lang="en-GB"/>
           </a:p>
@@ -2086,7 +2086,7 @@
           <a:p>
             <a:fld id="{1C44D5C8-EE81-4E13-B61A-D9219F34C127}" type="datetimeFigureOut">
               <a:rPr lang="en-GB" smtClean="0"/>
-              <a:t>23/12/2022</a:t>
+              <a:t>08/03/2023</a:t>
             </a:fld>
             <a:endParaRPr lang="en-GB"/>
           </a:p>
@@ -2399,7 +2399,7 @@
           <a:p>
             <a:fld id="{1C44D5C8-EE81-4E13-B61A-D9219F34C127}" type="datetimeFigureOut">
               <a:rPr lang="en-GB" smtClean="0"/>
-              <a:t>23/12/2022</a:t>
+              <a:t>08/03/2023</a:t>
             </a:fld>
             <a:endParaRPr lang="en-GB"/>
           </a:p>
@@ -2688,7 +2688,7 @@
           <a:p>
             <a:fld id="{1C44D5C8-EE81-4E13-B61A-D9219F34C127}" type="datetimeFigureOut">
               <a:rPr lang="en-GB" smtClean="0"/>
-              <a:t>23/12/2022</a:t>
+              <a:t>08/03/2023</a:t>
             </a:fld>
             <a:endParaRPr lang="en-GB"/>
           </a:p>
@@ -2931,7 +2931,7 @@
           <a:p>
             <a:fld id="{1C44D5C8-EE81-4E13-B61A-D9219F34C127}" type="datetimeFigureOut">
               <a:rPr lang="en-GB" smtClean="0"/>
-              <a:t>23/12/2022</a:t>
+              <a:t>08/03/2023</a:t>
             </a:fld>
             <a:endParaRPr lang="en-GB"/>
           </a:p>
@@ -4791,10 +4791,10 @@
       </mc:AlternateContent>
       <p:pic>
         <p:nvPicPr>
-          <p:cNvPr id="5" name="Picture 4" descr="Diagram, engineering drawing&#10;&#10;Description automatically generated">
-            <a:extLst>
-              <a:ext uri="{FF2B5EF4-FFF2-40B4-BE49-F238E27FC236}">
-                <a16:creationId xmlns:a16="http://schemas.microsoft.com/office/drawing/2014/main" id="{A81C6A8A-537C-676D-D96C-545312548DB4}"/>
+          <p:cNvPr id="6" name="Picture 5" descr="Diagram, engineering drawing&#10;&#10;Description automatically generated">
+            <a:extLst>
+              <a:ext uri="{FF2B5EF4-FFF2-40B4-BE49-F238E27FC236}">
+                <a16:creationId xmlns:a16="http://schemas.microsoft.com/office/drawing/2014/main" id="{DC66C176-808D-AF90-73AC-132A08C059C5}"/>
               </a:ext>
             </a:extLst>
           </p:cNvPr>
@@ -4817,7 +4817,7 @@
         </p:blipFill>
         <p:spPr>
           <a:xfrm>
-            <a:off x="3935365" y="0"/>
+            <a:off x="3832824" y="0"/>
             <a:ext cx="6858000" cy="6858000"/>
           </a:xfrm>
           <a:prstGeom prst="rect">
@@ -4857,10 +4857,10 @@
       </p:grpSpPr>
       <p:pic>
         <p:nvPicPr>
-          <p:cNvPr id="2" name="Picture 1">
-            <a:extLst>
-              <a:ext uri="{FF2B5EF4-FFF2-40B4-BE49-F238E27FC236}">
-                <a16:creationId xmlns:a16="http://schemas.microsoft.com/office/drawing/2014/main" id="{4F23F2D9-0F00-F9EC-0DA2-7FB9C37EAFE8}"/>
+          <p:cNvPr id="44" name="Picture 43">
+            <a:extLst>
+              <a:ext uri="{FF2B5EF4-FFF2-40B4-BE49-F238E27FC236}">
+                <a16:creationId xmlns:a16="http://schemas.microsoft.com/office/drawing/2014/main" id="{2E5048FE-8A29-F8EC-13B1-B0C1D2DF5BFC}"/>
               </a:ext>
             </a:extLst>
           </p:cNvPr>
@@ -4877,8 +4877,8 @@
         </p:blipFill>
         <p:spPr>
           <a:xfrm>
-            <a:off x="1274063" y="0"/>
-            <a:ext cx="9643873" cy="6858000"/>
+            <a:off x="1325879" y="0"/>
+            <a:ext cx="9540241" cy="6858000"/>
           </a:xfrm>
           <a:prstGeom prst="rect">
             <a:avLst/>
